--- a/PTW_new_Source/160708 프로그램 수정사항.pptx
+++ b/PTW_new_Source/160708 프로그램 수정사항.pptx
@@ -106,6 +106,11 @@
       </a:defRPr>
     </a:lvl9pPr>
   </p:defaultTextStyle>
+  <p:extLst>
+    <p:ext uri="{EFAFB233-063F-42B5-8137-9DF3F51BA10A}">
+      <p15:sldGuideLst xmlns:p15="http://schemas.microsoft.com/office/powerpoint/2012/main"/>
+    </p:ext>
+  </p:extLst>
 </p:presentation>
 </file>
 
@@ -240,7 +245,7 @@
           <a:p>
             <a:fld id="{BDB1B9A3-39EA-4782-8809-0203D5E7752B}" type="datetimeFigureOut">
               <a:rPr lang="ko-KR" altLang="en-US" smtClean="0"/>
-              <a:t>2016-07-07</a:t>
+              <a:t>2016-07-08</a:t>
             </a:fld>
             <a:endParaRPr lang="ko-KR" altLang="en-US"/>
           </a:p>
@@ -410,7 +415,7 @@
           <a:p>
             <a:fld id="{BDB1B9A3-39EA-4782-8809-0203D5E7752B}" type="datetimeFigureOut">
               <a:rPr lang="ko-KR" altLang="en-US" smtClean="0"/>
-              <a:t>2016-07-07</a:t>
+              <a:t>2016-07-08</a:t>
             </a:fld>
             <a:endParaRPr lang="ko-KR" altLang="en-US"/>
           </a:p>
@@ -590,7 +595,7 @@
           <a:p>
             <a:fld id="{BDB1B9A3-39EA-4782-8809-0203D5E7752B}" type="datetimeFigureOut">
               <a:rPr lang="ko-KR" altLang="en-US" smtClean="0"/>
-              <a:t>2016-07-07</a:t>
+              <a:t>2016-07-08</a:t>
             </a:fld>
             <a:endParaRPr lang="ko-KR" altLang="en-US"/>
           </a:p>
@@ -760,7 +765,7 @@
           <a:p>
             <a:fld id="{BDB1B9A3-39EA-4782-8809-0203D5E7752B}" type="datetimeFigureOut">
               <a:rPr lang="ko-KR" altLang="en-US" smtClean="0"/>
-              <a:t>2016-07-07</a:t>
+              <a:t>2016-07-08</a:t>
             </a:fld>
             <a:endParaRPr lang="ko-KR" altLang="en-US"/>
           </a:p>
@@ -1006,7 +1011,7 @@
           <a:p>
             <a:fld id="{BDB1B9A3-39EA-4782-8809-0203D5E7752B}" type="datetimeFigureOut">
               <a:rPr lang="ko-KR" altLang="en-US" smtClean="0"/>
-              <a:t>2016-07-07</a:t>
+              <a:t>2016-07-08</a:t>
             </a:fld>
             <a:endParaRPr lang="ko-KR" altLang="en-US"/>
           </a:p>
@@ -1238,7 +1243,7 @@
           <a:p>
             <a:fld id="{BDB1B9A3-39EA-4782-8809-0203D5E7752B}" type="datetimeFigureOut">
               <a:rPr lang="ko-KR" altLang="en-US" smtClean="0"/>
-              <a:t>2016-07-07</a:t>
+              <a:t>2016-07-08</a:t>
             </a:fld>
             <a:endParaRPr lang="ko-KR" altLang="en-US"/>
           </a:p>
@@ -1605,7 +1610,7 @@
           <a:p>
             <a:fld id="{BDB1B9A3-39EA-4782-8809-0203D5E7752B}" type="datetimeFigureOut">
               <a:rPr lang="ko-KR" altLang="en-US" smtClean="0"/>
-              <a:t>2016-07-07</a:t>
+              <a:t>2016-07-08</a:t>
             </a:fld>
             <a:endParaRPr lang="ko-KR" altLang="en-US"/>
           </a:p>
@@ -1723,7 +1728,7 @@
           <a:p>
             <a:fld id="{BDB1B9A3-39EA-4782-8809-0203D5E7752B}" type="datetimeFigureOut">
               <a:rPr lang="ko-KR" altLang="en-US" smtClean="0"/>
-              <a:t>2016-07-07</a:t>
+              <a:t>2016-07-08</a:t>
             </a:fld>
             <a:endParaRPr lang="ko-KR" altLang="en-US"/>
           </a:p>
@@ -1818,7 +1823,7 @@
           <a:p>
             <a:fld id="{BDB1B9A3-39EA-4782-8809-0203D5E7752B}" type="datetimeFigureOut">
               <a:rPr lang="ko-KR" altLang="en-US" smtClean="0"/>
-              <a:t>2016-07-07</a:t>
+              <a:t>2016-07-08</a:t>
             </a:fld>
             <a:endParaRPr lang="ko-KR" altLang="en-US"/>
           </a:p>
@@ -2095,7 +2100,7 @@
           <a:p>
             <a:fld id="{BDB1B9A3-39EA-4782-8809-0203D5E7752B}" type="datetimeFigureOut">
               <a:rPr lang="ko-KR" altLang="en-US" smtClean="0"/>
-              <a:t>2016-07-07</a:t>
+              <a:t>2016-07-08</a:t>
             </a:fld>
             <a:endParaRPr lang="ko-KR" altLang="en-US"/>
           </a:p>
@@ -2348,7 +2353,7 @@
           <a:p>
             <a:fld id="{BDB1B9A3-39EA-4782-8809-0203D5E7752B}" type="datetimeFigureOut">
               <a:rPr lang="ko-KR" altLang="en-US" smtClean="0"/>
-              <a:t>2016-07-07</a:t>
+              <a:t>2016-07-08</a:t>
             </a:fld>
             <a:endParaRPr lang="ko-KR" altLang="en-US"/>
           </a:p>
@@ -2561,7 +2566,7 @@
           <a:p>
             <a:fld id="{BDB1B9A3-39EA-4782-8809-0203D5E7752B}" type="datetimeFigureOut">
               <a:rPr lang="ko-KR" altLang="en-US" smtClean="0"/>
-              <a:t>2016-07-07</a:t>
+              <a:t>2016-07-08</a:t>
             </a:fld>
             <a:endParaRPr lang="ko-KR" altLang="en-US"/>
           </a:p>
@@ -3085,19 +3090,35 @@
               <a:buAutoNum type="arabicPeriod"/>
             </a:pPr>
             <a:r>
-              <a:rPr lang="ko-KR" altLang="en-US" dirty="0" smtClean="0"/>
+              <a:rPr lang="ko-KR" altLang="en-US" dirty="0" smtClean="0">
+                <a:solidFill>
+                  <a:srgbClr val="FF0000"/>
+                </a:solidFill>
+              </a:rPr>
               <a:t>포인트 커서와 글씨크기가 너무 큽니다 사이즈를 사용자가 조절할 </a:t>
             </a:r>
             <a:r>
-              <a:rPr lang="ko-KR" altLang="en-US" dirty="0" err="1" smtClean="0"/>
+              <a:rPr lang="ko-KR" altLang="en-US" dirty="0" err="1" smtClean="0">
+                <a:solidFill>
+                  <a:srgbClr val="FF0000"/>
+                </a:solidFill>
+              </a:rPr>
               <a:t>수있도록</a:t>
             </a:r>
             <a:r>
-              <a:rPr lang="ko-KR" altLang="en-US" dirty="0" smtClean="0"/>
+              <a:rPr lang="ko-KR" altLang="en-US" dirty="0" smtClean="0">
+                <a:solidFill>
+                  <a:srgbClr val="FF0000"/>
+                </a:solidFill>
+              </a:rPr>
               <a:t> 조치 바랍니다</a:t>
             </a:r>
             <a:r>
-              <a:rPr lang="en-US" altLang="ko-KR" dirty="0" smtClean="0"/>
+              <a:rPr lang="en-US" altLang="ko-KR" dirty="0" smtClean="0">
+                <a:solidFill>
+                  <a:srgbClr val="FF0000"/>
+                </a:solidFill>
+              </a:rPr>
               <a:t>.</a:t>
             </a:r>
           </a:p>
@@ -3109,42 +3130,82 @@
               <a:buAutoNum type="arabicPeriod"/>
             </a:pPr>
             <a:r>
-              <a:rPr lang="ko-KR" altLang="en-US" dirty="0" smtClean="0"/>
+              <a:rPr lang="ko-KR" altLang="en-US" dirty="0" smtClean="0">
+                <a:solidFill>
+                  <a:srgbClr val="FF0000"/>
+                </a:solidFill>
+              </a:rPr>
               <a:t>그리고 수치가 나타날 경우 단위를</a:t>
             </a:r>
             <a:r>
-              <a:rPr lang="en-US" altLang="ko-KR" dirty="0" smtClean="0"/>
+              <a:rPr lang="en-US" altLang="ko-KR" dirty="0" smtClean="0">
+                <a:solidFill>
+                  <a:srgbClr val="FF0000"/>
+                </a:solidFill>
+              </a:rPr>
               <a:t>(MPa, </a:t>
             </a:r>
             <a:r>
-              <a:rPr lang="ko-KR" altLang="en-US" dirty="0" err="1" smtClean="0"/>
+              <a:rPr lang="ko-KR" altLang="en-US" dirty="0" err="1" smtClean="0">
+                <a:solidFill>
+                  <a:srgbClr val="FF0000"/>
+                </a:solidFill>
+              </a:rPr>
               <a:t>도씨</a:t>
             </a:r>
             <a:r>
-              <a:rPr lang="en-US" altLang="ko-KR" dirty="0" smtClean="0"/>
+              <a:rPr lang="en-US" altLang="ko-KR" dirty="0" smtClean="0">
+                <a:solidFill>
+                  <a:srgbClr val="FF0000"/>
+                </a:solidFill>
+              </a:rPr>
               <a:t>, DL) </a:t>
             </a:r>
             <a:r>
-              <a:rPr lang="ko-KR" altLang="en-US" dirty="0" smtClean="0"/>
+              <a:rPr lang="ko-KR" altLang="en-US" dirty="0" smtClean="0">
+                <a:solidFill>
+                  <a:srgbClr val="FF0000"/>
+                </a:solidFill>
+              </a:rPr>
               <a:t>나타내주기 바랍니다</a:t>
             </a:r>
             <a:r>
-              <a:rPr lang="en-US" altLang="ko-KR" dirty="0" smtClean="0"/>
+              <a:rPr lang="en-US" altLang="ko-KR" dirty="0" smtClean="0">
+                <a:solidFill>
+                  <a:srgbClr val="FF0000"/>
+                </a:solidFill>
+              </a:rPr>
               <a:t>.&lt;- </a:t>
             </a:r>
             <a:r>
-              <a:rPr lang="ko-KR" altLang="en-US" dirty="0" smtClean="0"/>
+              <a:rPr lang="ko-KR" altLang="en-US" dirty="0" smtClean="0">
+                <a:solidFill>
+                  <a:srgbClr val="FF0000"/>
+                </a:solidFill>
+              </a:rPr>
               <a:t>이것은 아래쪽에 </a:t>
             </a:r>
             <a:r>
-              <a:rPr lang="en-US" altLang="ko-KR" dirty="0" smtClean="0"/>
+              <a:rPr lang="en-US" altLang="ko-KR" dirty="0" smtClean="0">
+                <a:solidFill>
+                  <a:srgbClr val="FF0000"/>
+                </a:solidFill>
+              </a:rPr>
               <a:t>6</a:t>
             </a:r>
             <a:r>
-              <a:rPr lang="ko-KR" altLang="en-US" dirty="0" smtClean="0"/>
+              <a:rPr lang="ko-KR" altLang="en-US" dirty="0" smtClean="0">
+                <a:solidFill>
+                  <a:srgbClr val="FF0000"/>
+                </a:solidFill>
+              </a:rPr>
               <a:t>번 요구사항의 내용</a:t>
             </a:r>
-            <a:endParaRPr lang="en-US" altLang="ko-KR" dirty="0" smtClean="0"/>
+            <a:endParaRPr lang="en-US" altLang="ko-KR" dirty="0" smtClean="0">
+              <a:solidFill>
+                <a:srgbClr val="FF0000"/>
+              </a:solidFill>
+            </a:endParaRPr>
           </a:p>
           <a:p>
             <a:pPr marL="514350" indent="-514350">
@@ -3225,6 +3286,19 @@
               <a:rPr lang="en-US" altLang="ko-KR" dirty="0" smtClean="0"/>
               <a:t>.</a:t>
             </a:r>
+            <a:r>
+              <a:rPr lang="en-US" altLang="ko-KR" dirty="0" smtClean="0">
+                <a:sym typeface="Wingdings" panose="05000000000000000000" pitchFamily="2" charset="2"/>
+              </a:rPr>
+              <a:t></a:t>
+            </a:r>
+            <a:r>
+              <a:rPr lang="ko-KR" altLang="en-US" dirty="0" smtClean="0">
+                <a:sym typeface="Wingdings" panose="05000000000000000000" pitchFamily="2" charset="2"/>
+              </a:rPr>
+              <a:t>반전 이미지만 만들자</a:t>
+            </a:r>
+            <a:endParaRPr lang="en-US" altLang="ko-KR" dirty="0" smtClean="0"/>
           </a:p>
           <a:p>
             <a:pPr marL="514350" indent="-514350">
@@ -3345,7 +3419,6 @@
               <a:rPr lang="en-US" altLang="ko-KR" dirty="0" smtClean="0"/>
               <a:t>?</a:t>
             </a:r>
-            <a:endParaRPr lang="en-US" altLang="ko-KR" dirty="0" smtClean="0"/>
           </a:p>
           <a:p>
             <a:pPr marL="514350" indent="-514350">
@@ -3688,55 +3761,107 @@
               <a:buNone/>
             </a:pPr>
             <a:r>
-              <a:rPr lang="en-US" altLang="ko-KR" dirty="0" smtClean="0"/>
+              <a:rPr lang="en-US" altLang="ko-KR" dirty="0" smtClean="0">
+                <a:solidFill>
+                  <a:srgbClr val="FF0000"/>
+                </a:solidFill>
+              </a:rPr>
               <a:t>8. </a:t>
             </a:r>
             <a:r>
-              <a:rPr lang="ko-KR" altLang="en-US" dirty="0" smtClean="0"/>
+              <a:rPr lang="ko-KR" altLang="en-US" dirty="0" smtClean="0">
+                <a:solidFill>
+                  <a:srgbClr val="FF0000"/>
+                </a:solidFill>
+              </a:rPr>
               <a:t>각 창의 데이터가 어떤 정보인지 </a:t>
             </a:r>
             <a:r>
-              <a:rPr lang="ko-KR" altLang="en-US" dirty="0" err="1" smtClean="0"/>
+              <a:rPr lang="ko-KR" altLang="en-US" dirty="0" err="1" smtClean="0">
+                <a:solidFill>
+                  <a:srgbClr val="FF0000"/>
+                </a:solidFill>
+              </a:rPr>
               <a:t>수치바</a:t>
             </a:r>
             <a:r>
-              <a:rPr lang="ko-KR" altLang="en-US" dirty="0" smtClean="0"/>
+              <a:rPr lang="ko-KR" altLang="en-US" dirty="0" smtClean="0">
+                <a:solidFill>
+                  <a:srgbClr val="FF0000"/>
+                </a:solidFill>
+              </a:rPr>
               <a:t> 밑에 나타내주기 바랍니다</a:t>
             </a:r>
             <a:r>
-              <a:rPr lang="en-US" altLang="ko-KR" dirty="0" smtClean="0"/>
+              <a:rPr lang="en-US" altLang="ko-KR" dirty="0" smtClean="0">
+                <a:solidFill>
+                  <a:srgbClr val="FF0000"/>
+                </a:solidFill>
+              </a:rPr>
               <a:t>. </a:t>
             </a:r>
             <a:r>
-              <a:rPr lang="ko-KR" altLang="en-US" dirty="0" smtClean="0"/>
+              <a:rPr lang="ko-KR" altLang="en-US" dirty="0" smtClean="0">
+                <a:solidFill>
+                  <a:srgbClr val="FF0000"/>
+                </a:solidFill>
+              </a:rPr>
               <a:t>온도 이면 </a:t>
             </a:r>
             <a:r>
-              <a:rPr lang="ko-KR" altLang="en-US" dirty="0" err="1" smtClean="0"/>
+              <a:rPr lang="ko-KR" altLang="en-US" dirty="0" err="1" smtClean="0">
+                <a:solidFill>
+                  <a:srgbClr val="FF0000"/>
+                </a:solidFill>
+              </a:rPr>
               <a:t>도씨</a:t>
             </a:r>
             <a:r>
-              <a:rPr lang="en-US" altLang="ko-KR" dirty="0" smtClean="0"/>
+              <a:rPr lang="en-US" altLang="ko-KR" dirty="0" smtClean="0">
+                <a:solidFill>
+                  <a:srgbClr val="FF0000"/>
+                </a:solidFill>
+              </a:rPr>
               <a:t>, </a:t>
             </a:r>
             <a:r>
-              <a:rPr lang="ko-KR" altLang="en-US" dirty="0" smtClean="0"/>
+              <a:rPr lang="ko-KR" altLang="en-US" dirty="0" smtClean="0">
+                <a:solidFill>
+                  <a:srgbClr val="FF0000"/>
+                </a:solidFill>
+              </a:rPr>
               <a:t>응력이면 </a:t>
             </a:r>
             <a:r>
-              <a:rPr lang="en-US" altLang="ko-KR" dirty="0" smtClean="0"/>
+              <a:rPr lang="en-US" altLang="ko-KR" dirty="0" smtClean="0">
+                <a:solidFill>
+                  <a:srgbClr val="FF0000"/>
+                </a:solidFill>
+              </a:rPr>
               <a:t>MPa </a:t>
             </a:r>
             <a:r>
-              <a:rPr lang="ko-KR" altLang="en-US" dirty="0" err="1" smtClean="0"/>
+              <a:rPr lang="ko-KR" altLang="en-US" dirty="0" err="1" smtClean="0">
+                <a:solidFill>
+                  <a:srgbClr val="FF0000"/>
+                </a:solidFill>
+              </a:rPr>
               <a:t>이런식으로</a:t>
             </a:r>
             <a:r>
-              <a:rPr lang="ko-KR" altLang="en-US" dirty="0" smtClean="0"/>
+              <a:rPr lang="ko-KR" altLang="en-US" dirty="0" smtClean="0">
+                <a:solidFill>
+                  <a:srgbClr val="FF0000"/>
+                </a:solidFill>
+              </a:rPr>
               <a:t> 고정적으로 나타났으면 합니다</a:t>
             </a:r>
             <a:r>
-              <a:rPr lang="en-US" altLang="ko-KR" dirty="0" smtClean="0"/>
+              <a:rPr lang="en-US" altLang="ko-KR" dirty="0" smtClean="0">
+                <a:solidFill>
+                  <a:srgbClr val="FF0000"/>
+                </a:solidFill>
+              </a:rPr>
               <a:t>. </a:t>
             </a:r>
           </a:p>
@@ -3859,7 +3984,7 @@
               <a:t>3000</a:t>
             </a:r>
             <a:r>
-              <a:rPr lang="ko-KR" altLang="en-US" smtClean="0">
+              <a:rPr lang="ko-KR" altLang="en-US" dirty="0" smtClean="0">
                 <a:sym typeface="Wingdings" panose="05000000000000000000" pitchFamily="2" charset="2"/>
               </a:rPr>
               <a:t>프레임까지만 가능하다</a:t>

--- a/PTW_new_Source/160708 프로그램 수정사항.pptx
+++ b/PTW_new_Source/160708 프로그램 수정사항.pptx
@@ -245,7 +245,7 @@
           <a:p>
             <a:fld id="{BDB1B9A3-39EA-4782-8809-0203D5E7752B}" type="datetimeFigureOut">
               <a:rPr lang="ko-KR" altLang="en-US" smtClean="0"/>
-              <a:t>2016-07-08</a:t>
+              <a:t>2016-07-11</a:t>
             </a:fld>
             <a:endParaRPr lang="ko-KR" altLang="en-US"/>
           </a:p>
@@ -415,7 +415,7 @@
           <a:p>
             <a:fld id="{BDB1B9A3-39EA-4782-8809-0203D5E7752B}" type="datetimeFigureOut">
               <a:rPr lang="ko-KR" altLang="en-US" smtClean="0"/>
-              <a:t>2016-07-08</a:t>
+              <a:t>2016-07-11</a:t>
             </a:fld>
             <a:endParaRPr lang="ko-KR" altLang="en-US"/>
           </a:p>
@@ -595,7 +595,7 @@
           <a:p>
             <a:fld id="{BDB1B9A3-39EA-4782-8809-0203D5E7752B}" type="datetimeFigureOut">
               <a:rPr lang="ko-KR" altLang="en-US" smtClean="0"/>
-              <a:t>2016-07-08</a:t>
+              <a:t>2016-07-11</a:t>
             </a:fld>
             <a:endParaRPr lang="ko-KR" altLang="en-US"/>
           </a:p>
@@ -765,7 +765,7 @@
           <a:p>
             <a:fld id="{BDB1B9A3-39EA-4782-8809-0203D5E7752B}" type="datetimeFigureOut">
               <a:rPr lang="ko-KR" altLang="en-US" smtClean="0"/>
-              <a:t>2016-07-08</a:t>
+              <a:t>2016-07-11</a:t>
             </a:fld>
             <a:endParaRPr lang="ko-KR" altLang="en-US"/>
           </a:p>
@@ -1011,7 +1011,7 @@
           <a:p>
             <a:fld id="{BDB1B9A3-39EA-4782-8809-0203D5E7752B}" type="datetimeFigureOut">
               <a:rPr lang="ko-KR" altLang="en-US" smtClean="0"/>
-              <a:t>2016-07-08</a:t>
+              <a:t>2016-07-11</a:t>
             </a:fld>
             <a:endParaRPr lang="ko-KR" altLang="en-US"/>
           </a:p>
@@ -1243,7 +1243,7 @@
           <a:p>
             <a:fld id="{BDB1B9A3-39EA-4782-8809-0203D5E7752B}" type="datetimeFigureOut">
               <a:rPr lang="ko-KR" altLang="en-US" smtClean="0"/>
-              <a:t>2016-07-08</a:t>
+              <a:t>2016-07-11</a:t>
             </a:fld>
             <a:endParaRPr lang="ko-KR" altLang="en-US"/>
           </a:p>
@@ -1610,7 +1610,7 @@
           <a:p>
             <a:fld id="{BDB1B9A3-39EA-4782-8809-0203D5E7752B}" type="datetimeFigureOut">
               <a:rPr lang="ko-KR" altLang="en-US" smtClean="0"/>
-              <a:t>2016-07-08</a:t>
+              <a:t>2016-07-11</a:t>
             </a:fld>
             <a:endParaRPr lang="ko-KR" altLang="en-US"/>
           </a:p>
@@ -1728,7 +1728,7 @@
           <a:p>
             <a:fld id="{BDB1B9A3-39EA-4782-8809-0203D5E7752B}" type="datetimeFigureOut">
               <a:rPr lang="ko-KR" altLang="en-US" smtClean="0"/>
-              <a:t>2016-07-08</a:t>
+              <a:t>2016-07-11</a:t>
             </a:fld>
             <a:endParaRPr lang="ko-KR" altLang="en-US"/>
           </a:p>
@@ -1823,7 +1823,7 @@
           <a:p>
             <a:fld id="{BDB1B9A3-39EA-4782-8809-0203D5E7752B}" type="datetimeFigureOut">
               <a:rPr lang="ko-KR" altLang="en-US" smtClean="0"/>
-              <a:t>2016-07-08</a:t>
+              <a:t>2016-07-11</a:t>
             </a:fld>
             <a:endParaRPr lang="ko-KR" altLang="en-US"/>
           </a:p>
@@ -2100,7 +2100,7 @@
           <a:p>
             <a:fld id="{BDB1B9A3-39EA-4782-8809-0203D5E7752B}" type="datetimeFigureOut">
               <a:rPr lang="ko-KR" altLang="en-US" smtClean="0"/>
-              <a:t>2016-07-08</a:t>
+              <a:t>2016-07-11</a:t>
             </a:fld>
             <a:endParaRPr lang="ko-KR" altLang="en-US"/>
           </a:p>
@@ -2353,7 +2353,7 @@
           <a:p>
             <a:fld id="{BDB1B9A3-39EA-4782-8809-0203D5E7752B}" type="datetimeFigureOut">
               <a:rPr lang="ko-KR" altLang="en-US" smtClean="0"/>
-              <a:t>2016-07-08</a:t>
+              <a:t>2016-07-11</a:t>
             </a:fld>
             <a:endParaRPr lang="ko-KR" altLang="en-US"/>
           </a:p>
@@ -2566,7 +2566,7 @@
           <a:p>
             <a:fld id="{BDB1B9A3-39EA-4782-8809-0203D5E7752B}" type="datetimeFigureOut">
               <a:rPr lang="ko-KR" altLang="en-US" smtClean="0"/>
-              <a:t>2016-07-08</a:t>
+              <a:t>2016-07-11</a:t>
             </a:fld>
             <a:endParaRPr lang="ko-KR" altLang="en-US"/>
           </a:p>
@@ -3215,90 +3215,172 @@
               <a:buAutoNum type="arabicPeriod"/>
             </a:pPr>
             <a:r>
-              <a:rPr lang="ko-KR" altLang="en-US" dirty="0" smtClean="0"/>
+              <a:rPr lang="ko-KR" altLang="en-US" dirty="0" smtClean="0">
+                <a:solidFill>
+                  <a:srgbClr val="FF0000"/>
+                </a:solidFill>
+              </a:rPr>
               <a:t>색상의 반전이 가능하도록 조치 바랍니다</a:t>
             </a:r>
             <a:r>
-              <a:rPr lang="en-US" altLang="ko-KR" dirty="0" smtClean="0"/>
+              <a:rPr lang="en-US" altLang="ko-KR" dirty="0" smtClean="0">
+                <a:solidFill>
+                  <a:srgbClr val="FF0000"/>
+                </a:solidFill>
+              </a:rPr>
               <a:t>. </a:t>
             </a:r>
             <a:r>
-              <a:rPr lang="ko-KR" altLang="en-US" dirty="0" smtClean="0"/>
+              <a:rPr lang="ko-KR" altLang="en-US" dirty="0" smtClean="0">
+                <a:solidFill>
+                  <a:srgbClr val="FF0000"/>
+                </a:solidFill>
+              </a:rPr>
               <a:t>온도가 높은 곳이 차가울 수 있도록 해주시고요</a:t>
             </a:r>
             <a:r>
-              <a:rPr lang="en-US" altLang="ko-KR" dirty="0" smtClean="0"/>
+              <a:rPr lang="en-US" altLang="ko-KR" dirty="0" smtClean="0">
+                <a:solidFill>
+                  <a:srgbClr val="FF0000"/>
+                </a:solidFill>
+              </a:rPr>
               <a:t>, </a:t>
             </a:r>
             <a:r>
-              <a:rPr lang="ko-KR" altLang="en-US" dirty="0" smtClean="0"/>
+              <a:rPr lang="ko-KR" altLang="en-US" dirty="0" smtClean="0">
+                <a:solidFill>
+                  <a:srgbClr val="FF0000"/>
+                </a:solidFill>
+              </a:rPr>
               <a:t>다른 </a:t>
             </a:r>
             <a:r>
-              <a:rPr lang="ko-KR" altLang="en-US" dirty="0" err="1" smtClean="0"/>
+              <a:rPr lang="ko-KR" altLang="en-US" dirty="0" err="1" smtClean="0">
+                <a:solidFill>
+                  <a:srgbClr val="FF0000"/>
+                </a:solidFill>
+              </a:rPr>
               <a:t>팔래트</a:t>
             </a:r>
             <a:r>
-              <a:rPr lang="ko-KR" altLang="en-US" dirty="0" smtClean="0"/>
+              <a:rPr lang="ko-KR" altLang="en-US" dirty="0" smtClean="0">
+                <a:solidFill>
+                  <a:srgbClr val="FF0000"/>
+                </a:solidFill>
+              </a:rPr>
               <a:t> 기능이</a:t>
             </a:r>
             <a:r>
-              <a:rPr lang="en-US" altLang="ko-KR" dirty="0" smtClean="0"/>
+              <a:rPr lang="en-US" altLang="ko-KR" dirty="0" smtClean="0">
+                <a:solidFill>
+                  <a:srgbClr val="FF0000"/>
+                </a:solidFill>
+              </a:rPr>
               <a:t>(2</a:t>
             </a:r>
             <a:r>
-              <a:rPr lang="ko-KR" altLang="en-US" dirty="0" smtClean="0"/>
+              <a:rPr lang="ko-KR" altLang="en-US" dirty="0" smtClean="0">
+                <a:solidFill>
+                  <a:srgbClr val="FF0000"/>
+                </a:solidFill>
+              </a:rPr>
               <a:t>비트</a:t>
             </a:r>
             <a:r>
-              <a:rPr lang="en-US" altLang="ko-KR" dirty="0" smtClean="0"/>
+              <a:rPr lang="en-US" altLang="ko-KR" dirty="0" smtClean="0">
+                <a:solidFill>
+                  <a:srgbClr val="FF0000"/>
+                </a:solidFill>
+              </a:rPr>
               <a:t>, 4</a:t>
             </a:r>
             <a:r>
-              <a:rPr lang="ko-KR" altLang="en-US" dirty="0" smtClean="0"/>
+              <a:rPr lang="ko-KR" altLang="en-US" dirty="0" smtClean="0">
+                <a:solidFill>
+                  <a:srgbClr val="FF0000"/>
+                </a:solidFill>
+              </a:rPr>
               <a:t>비트</a:t>
             </a:r>
             <a:r>
-              <a:rPr lang="en-US" altLang="ko-KR" dirty="0" smtClean="0"/>
+              <a:rPr lang="en-US" altLang="ko-KR" dirty="0" smtClean="0">
+                <a:solidFill>
+                  <a:srgbClr val="FF0000"/>
+                </a:solidFill>
+              </a:rPr>
               <a:t>, 16</a:t>
             </a:r>
             <a:r>
-              <a:rPr lang="ko-KR" altLang="en-US" dirty="0" smtClean="0"/>
+              <a:rPr lang="ko-KR" altLang="en-US" dirty="0" smtClean="0">
+                <a:solidFill>
+                  <a:srgbClr val="FF0000"/>
+                </a:solidFill>
+              </a:rPr>
               <a:t>비트</a:t>
             </a:r>
             <a:r>
-              <a:rPr lang="en-US" altLang="ko-KR" dirty="0" smtClean="0"/>
+              <a:rPr lang="en-US" altLang="ko-KR" dirty="0" smtClean="0">
+                <a:solidFill>
+                  <a:srgbClr val="FF0000"/>
+                </a:solidFill>
+              </a:rPr>
               <a:t>, 256</a:t>
             </a:r>
             <a:r>
-              <a:rPr lang="ko-KR" altLang="en-US" dirty="0" smtClean="0"/>
+              <a:rPr lang="ko-KR" altLang="en-US" dirty="0" smtClean="0">
+                <a:solidFill>
+                  <a:srgbClr val="FF0000"/>
+                </a:solidFill>
+              </a:rPr>
               <a:t>등</a:t>
             </a:r>
             <a:r>
-              <a:rPr lang="en-US" altLang="ko-KR" dirty="0" smtClean="0"/>
+              <a:rPr lang="en-US" altLang="ko-KR" dirty="0" smtClean="0">
+                <a:solidFill>
+                  <a:srgbClr val="FF0000"/>
+                </a:solidFill>
+              </a:rPr>
               <a:t>) </a:t>
             </a:r>
             <a:r>
-              <a:rPr lang="ko-KR" altLang="en-US" dirty="0" smtClean="0"/>
+              <a:rPr lang="ko-KR" altLang="en-US" dirty="0" smtClean="0">
+                <a:solidFill>
+                  <a:srgbClr val="FF0000"/>
+                </a:solidFill>
+              </a:rPr>
               <a:t>더 추가 되면 좋고요</a:t>
             </a:r>
             <a:r>
-              <a:rPr lang="en-US" altLang="ko-KR" dirty="0" smtClean="0"/>
+              <a:rPr lang="en-US" altLang="ko-KR" dirty="0" smtClean="0">
+                <a:solidFill>
+                  <a:srgbClr val="FF0000"/>
+                </a:solidFill>
+              </a:rPr>
               <a:t>.</a:t>
             </a:r>
             <a:r>
               <a:rPr lang="en-US" altLang="ko-KR" dirty="0" smtClean="0">
+                <a:solidFill>
+                  <a:srgbClr val="FF0000"/>
+                </a:solidFill>
                 <a:sym typeface="Wingdings" panose="05000000000000000000" pitchFamily="2" charset="2"/>
               </a:rPr>
               <a:t></a:t>
             </a:r>
             <a:r>
               <a:rPr lang="ko-KR" altLang="en-US" dirty="0" smtClean="0">
+                <a:solidFill>
+                  <a:srgbClr val="FF0000"/>
+                </a:solidFill>
                 <a:sym typeface="Wingdings" panose="05000000000000000000" pitchFamily="2" charset="2"/>
               </a:rPr>
               <a:t>반전 이미지만 만들자</a:t>
             </a:r>
-            <a:endParaRPr lang="en-US" altLang="ko-KR" dirty="0" smtClean="0"/>
+            <a:endParaRPr lang="en-US" altLang="ko-KR" dirty="0" smtClean="0">
+              <a:solidFill>
+                <a:srgbClr val="FF0000"/>
+              </a:solidFill>
+            </a:endParaRPr>
           </a:p>
           <a:p>
             <a:pPr marL="514350" indent="-514350">
@@ -3308,35 +3390,67 @@
               <a:buAutoNum type="arabicPeriod"/>
             </a:pPr>
             <a:r>
-              <a:rPr lang="ko-KR" altLang="en-US" dirty="0" err="1" smtClean="0"/>
+              <a:rPr lang="ko-KR" altLang="en-US" dirty="0" err="1" smtClean="0">
+                <a:solidFill>
+                  <a:srgbClr val="FF0000"/>
+                </a:solidFill>
+              </a:rPr>
               <a:t>로드중</a:t>
             </a:r>
             <a:r>
-              <a:rPr lang="ko-KR" altLang="en-US" dirty="0" smtClean="0"/>
+              <a:rPr lang="ko-KR" altLang="en-US" dirty="0" smtClean="0">
+                <a:solidFill>
+                  <a:srgbClr val="FF0000"/>
+                </a:solidFill>
+              </a:rPr>
               <a:t> 다른 파일을 로드 하면 프로그램이 다운 됩니다</a:t>
             </a:r>
             <a:r>
-              <a:rPr lang="en-US" altLang="ko-KR" dirty="0" smtClean="0"/>
+              <a:rPr lang="en-US" altLang="ko-KR" dirty="0" smtClean="0">
+                <a:solidFill>
+                  <a:srgbClr val="FF0000"/>
+                </a:solidFill>
+              </a:rPr>
               <a:t>.</a:t>
             </a:r>
             <a:r>
-              <a:rPr lang="ko-KR" altLang="en-US" dirty="0" smtClean="0"/>
+              <a:rPr lang="ko-KR" altLang="en-US" dirty="0" smtClean="0">
+                <a:solidFill>
+                  <a:srgbClr val="FF0000"/>
+                </a:solidFill>
+              </a:rPr>
               <a:t>원래 프로그램이 그런데 이것을 디버깅할 수 있나요</a:t>
             </a:r>
             <a:r>
-              <a:rPr lang="en-US" altLang="ko-KR" dirty="0" smtClean="0"/>
+              <a:rPr lang="en-US" altLang="ko-KR" dirty="0" smtClean="0">
+                <a:solidFill>
+                  <a:srgbClr val="FF0000"/>
+                </a:solidFill>
+              </a:rPr>
               <a:t>? </a:t>
             </a:r>
             <a:r>
-              <a:rPr lang="ko-KR" altLang="en-US" dirty="0" err="1" smtClean="0"/>
+              <a:rPr lang="ko-KR" altLang="en-US" dirty="0" err="1" smtClean="0">
+                <a:solidFill>
+                  <a:srgbClr val="FF0000"/>
+                </a:solidFill>
+              </a:rPr>
               <a:t>안될경우</a:t>
             </a:r>
             <a:r>
-              <a:rPr lang="ko-KR" altLang="en-US" dirty="0" smtClean="0"/>
+              <a:rPr lang="ko-KR" altLang="en-US" dirty="0" smtClean="0">
+                <a:solidFill>
+                  <a:srgbClr val="FF0000"/>
+                </a:solidFill>
+              </a:rPr>
               <a:t> 경고만 띄우고 프로그램은 다운 없이 계속 사용할 수 있는지요</a:t>
             </a:r>
             <a:r>
-              <a:rPr lang="en-US" altLang="ko-KR" dirty="0" smtClean="0"/>
+              <a:rPr lang="en-US" altLang="ko-KR" dirty="0" smtClean="0">
+                <a:solidFill>
+                  <a:srgbClr val="FF0000"/>
+                </a:solidFill>
+              </a:rPr>
               <a:t>?</a:t>
             </a:r>
           </a:p>
@@ -3348,15 +3462,27 @@
               <a:buAutoNum type="arabicPeriod"/>
             </a:pPr>
             <a:r>
-              <a:rPr lang="ko-KR" altLang="en-US" dirty="0" err="1" smtClean="0"/>
+              <a:rPr lang="ko-KR" altLang="en-US" dirty="0" err="1" smtClean="0">
+                <a:solidFill>
+                  <a:srgbClr val="FF0000"/>
+                </a:solidFill>
+              </a:rPr>
               <a:t>로드하는</a:t>
             </a:r>
             <a:r>
-              <a:rPr lang="ko-KR" altLang="en-US" dirty="0" smtClean="0"/>
+              <a:rPr lang="ko-KR" altLang="en-US" dirty="0" smtClean="0">
+                <a:solidFill>
+                  <a:srgbClr val="FF0000"/>
+                </a:solidFill>
+              </a:rPr>
               <a:t> 파일이 클 경우 불러들이는 중간에 멈출 수 있게 할 수 있습니까</a:t>
             </a:r>
             <a:r>
-              <a:rPr lang="en-US" altLang="ko-KR" dirty="0" smtClean="0"/>
+              <a:rPr lang="en-US" altLang="ko-KR" dirty="0" smtClean="0">
+                <a:solidFill>
+                  <a:srgbClr val="FF0000"/>
+                </a:solidFill>
+              </a:rPr>
               <a:t>?</a:t>
             </a:r>
           </a:p>
@@ -3368,39 +3494,75 @@
               <a:buAutoNum type="arabicPeriod"/>
             </a:pPr>
             <a:r>
-              <a:rPr lang="ko-KR" altLang="en-US" dirty="0" smtClean="0"/>
+              <a:rPr lang="ko-KR" altLang="en-US" dirty="0" smtClean="0">
+                <a:solidFill>
+                  <a:srgbClr val="FF0000"/>
+                </a:solidFill>
+              </a:rPr>
               <a:t>즉</a:t>
             </a:r>
             <a:r>
-              <a:rPr lang="en-US" altLang="ko-KR" dirty="0" smtClean="0"/>
+              <a:rPr lang="en-US" altLang="ko-KR" dirty="0" smtClean="0">
+                <a:solidFill>
+                  <a:srgbClr val="FF0000"/>
+                </a:solidFill>
+              </a:rPr>
               <a:t>, 10000 </a:t>
             </a:r>
             <a:r>
-              <a:rPr lang="ko-KR" altLang="en-US" dirty="0" smtClean="0"/>
+              <a:rPr lang="ko-KR" altLang="en-US" dirty="0" smtClean="0">
+                <a:solidFill>
+                  <a:srgbClr val="FF0000"/>
+                </a:solidFill>
+              </a:rPr>
               <a:t>프레임의 경우 </a:t>
             </a:r>
             <a:r>
-              <a:rPr lang="en-US" altLang="ko-KR" dirty="0" smtClean="0"/>
+              <a:rPr lang="en-US" altLang="ko-KR" dirty="0" smtClean="0">
+                <a:solidFill>
+                  <a:srgbClr val="FF0000"/>
+                </a:solidFill>
+              </a:rPr>
               <a:t>1000 </a:t>
             </a:r>
             <a:r>
-              <a:rPr lang="ko-KR" altLang="en-US" dirty="0" smtClean="0"/>
+              <a:rPr lang="ko-KR" altLang="en-US" dirty="0" smtClean="0">
+                <a:solidFill>
+                  <a:srgbClr val="FF0000"/>
+                </a:solidFill>
+              </a:rPr>
               <a:t>프레임까지 강제로 </a:t>
             </a:r>
             <a:r>
-              <a:rPr lang="ko-KR" altLang="en-US" dirty="0" err="1" smtClean="0"/>
+              <a:rPr lang="ko-KR" altLang="en-US" dirty="0" err="1" smtClean="0">
+                <a:solidFill>
+                  <a:srgbClr val="FF0000"/>
+                </a:solidFill>
+              </a:rPr>
               <a:t>설정시</a:t>
             </a:r>
             <a:r>
-              <a:rPr lang="ko-KR" altLang="en-US" dirty="0" smtClean="0"/>
+              <a:rPr lang="ko-KR" altLang="en-US" dirty="0" smtClean="0">
+                <a:solidFill>
+                  <a:srgbClr val="FF0000"/>
+                </a:solidFill>
+              </a:rPr>
               <a:t> 그때까지만 읽고 멈출 </a:t>
             </a:r>
             <a:r>
-              <a:rPr lang="ko-KR" altLang="en-US" dirty="0" err="1" smtClean="0"/>
+              <a:rPr lang="ko-KR" altLang="en-US" dirty="0" err="1" smtClean="0">
+                <a:solidFill>
+                  <a:srgbClr val="FF0000"/>
+                </a:solidFill>
+              </a:rPr>
               <a:t>수있는지요</a:t>
             </a:r>
             <a:r>
-              <a:rPr lang="en-US" altLang="ko-KR" dirty="0" smtClean="0"/>
+              <a:rPr lang="en-US" altLang="ko-KR" dirty="0" smtClean="0">
+                <a:solidFill>
+                  <a:srgbClr val="FF0000"/>
+                </a:solidFill>
+              </a:rPr>
               <a:t>?</a:t>
             </a:r>
           </a:p>
@@ -3412,11 +3574,19 @@
               <a:buAutoNum type="arabicPeriod"/>
             </a:pPr>
             <a:r>
-              <a:rPr lang="ko-KR" altLang="en-US" dirty="0" smtClean="0"/>
+              <a:rPr lang="ko-KR" altLang="en-US" dirty="0" smtClean="0">
+                <a:solidFill>
+                  <a:srgbClr val="FF0000"/>
+                </a:solidFill>
+              </a:rPr>
               <a:t>수치적 설정이 아니더라도 사용자가 임으로 멈추고 멈춘 곳 만큼만 활용할 수 있는지요</a:t>
             </a:r>
             <a:r>
-              <a:rPr lang="en-US" altLang="ko-KR" dirty="0" smtClean="0"/>
+              <a:rPr lang="en-US" altLang="ko-KR" dirty="0" smtClean="0">
+                <a:solidFill>
+                  <a:srgbClr val="FF0000"/>
+                </a:solidFill>
+              </a:rPr>
               <a:t>?</a:t>
             </a:r>
           </a:p>
@@ -3428,35 +3598,67 @@
               <a:buAutoNum type="arabicPeriod"/>
             </a:pPr>
             <a:r>
-              <a:rPr lang="ko-KR" altLang="en-US" dirty="0" smtClean="0"/>
+              <a:rPr lang="ko-KR" altLang="en-US" dirty="0" smtClean="0">
+                <a:solidFill>
+                  <a:srgbClr val="FF0000"/>
+                </a:solidFill>
+              </a:rPr>
               <a:t>그리고 </a:t>
             </a:r>
             <a:r>
-              <a:rPr lang="ko-KR" altLang="en-US" dirty="0" err="1" smtClean="0"/>
+              <a:rPr lang="ko-KR" altLang="en-US" dirty="0" err="1" smtClean="0">
+                <a:solidFill>
+                  <a:srgbClr val="FF0000"/>
+                </a:solidFill>
+              </a:rPr>
               <a:t>여러가지</a:t>
             </a:r>
             <a:r>
-              <a:rPr lang="ko-KR" altLang="en-US" dirty="0" smtClean="0"/>
+              <a:rPr lang="ko-KR" altLang="en-US" dirty="0" smtClean="0">
+                <a:solidFill>
+                  <a:srgbClr val="FF0000"/>
+                </a:solidFill>
+              </a:rPr>
               <a:t> 창이 나타나는데 </a:t>
             </a:r>
             <a:r>
-              <a:rPr lang="ko-KR" altLang="en-US" dirty="0" err="1" smtClean="0"/>
+              <a:rPr lang="ko-KR" altLang="en-US" dirty="0" err="1" smtClean="0">
+                <a:solidFill>
+                  <a:srgbClr val="FF0000"/>
+                </a:solidFill>
+              </a:rPr>
               <a:t>스폿데이터가</a:t>
             </a:r>
             <a:r>
-              <a:rPr lang="ko-KR" altLang="en-US" dirty="0" smtClean="0"/>
+              <a:rPr lang="ko-KR" altLang="en-US" dirty="0" smtClean="0">
+                <a:solidFill>
+                  <a:srgbClr val="FF0000"/>
+                </a:solidFill>
+              </a:rPr>
               <a:t> 표시되는 창은 </a:t>
             </a:r>
             <a:r>
-              <a:rPr lang="ko-KR" altLang="en-US" dirty="0" err="1" smtClean="0"/>
+              <a:rPr lang="ko-KR" altLang="en-US" dirty="0" err="1" smtClean="0">
+                <a:solidFill>
+                  <a:srgbClr val="FF0000"/>
+                </a:solidFill>
+              </a:rPr>
               <a:t>첫번째</a:t>
             </a:r>
             <a:r>
-              <a:rPr lang="ko-KR" altLang="en-US" dirty="0" smtClean="0"/>
+              <a:rPr lang="ko-KR" altLang="en-US" dirty="0" smtClean="0">
+                <a:solidFill>
+                  <a:srgbClr val="FF0000"/>
+                </a:solidFill>
+              </a:rPr>
               <a:t> 창만 나타납니다</a:t>
             </a:r>
             <a:r>
-              <a:rPr lang="en-US" altLang="ko-KR" dirty="0" smtClean="0"/>
+              <a:rPr lang="en-US" altLang="ko-KR" dirty="0" smtClean="0">
+                <a:solidFill>
+                  <a:srgbClr val="FF0000"/>
+                </a:solidFill>
+              </a:rPr>
               <a:t>.</a:t>
             </a:r>
           </a:p>
@@ -3554,30 +3756,62 @@
             </a:pPr>
             <a:r>
               <a:rPr lang="en-US" altLang="ko-KR" dirty="0" smtClean="0"/>
-              <a:t>7. Stress data</a:t>
-            </a:r>
-            <a:r>
-              <a:rPr lang="ko-KR" altLang="en-US" dirty="0" smtClean="0"/>
+              <a:t>7</a:t>
+            </a:r>
+            <a:r>
+              <a:rPr lang="en-US" altLang="ko-KR" dirty="0" smtClean="0">
+                <a:solidFill>
+                  <a:srgbClr val="FF0000"/>
+                </a:solidFill>
+              </a:rPr>
+              <a:t>. Stress data</a:t>
+            </a:r>
+            <a:r>
+              <a:rPr lang="ko-KR" altLang="en-US" dirty="0" smtClean="0">
+                <a:solidFill>
+                  <a:srgbClr val="FF0000"/>
+                </a:solidFill>
+              </a:rPr>
               <a:t>의 경우 스트레스데이터 창에 </a:t>
             </a:r>
             <a:r>
-              <a:rPr lang="ko-KR" altLang="en-US" dirty="0" err="1" smtClean="0"/>
+              <a:rPr lang="ko-KR" altLang="en-US" dirty="0" err="1" smtClean="0">
+                <a:solidFill>
+                  <a:srgbClr val="FF0000"/>
+                </a:solidFill>
+              </a:rPr>
               <a:t>스폿</a:t>
             </a:r>
             <a:r>
-              <a:rPr lang="ko-KR" altLang="en-US" dirty="0" smtClean="0"/>
+              <a:rPr lang="ko-KR" altLang="en-US" dirty="0" smtClean="0">
+                <a:solidFill>
+                  <a:srgbClr val="FF0000"/>
+                </a:solidFill>
+              </a:rPr>
               <a:t> 데이터가 나와야 </a:t>
             </a:r>
             <a:r>
-              <a:rPr lang="ko-KR" altLang="en-US" dirty="0" err="1" smtClean="0"/>
+              <a:rPr lang="ko-KR" altLang="en-US" dirty="0" err="1" smtClean="0">
+                <a:solidFill>
+                  <a:srgbClr val="FF0000"/>
+                </a:solidFill>
+              </a:rPr>
               <a:t>될것</a:t>
             </a:r>
             <a:r>
-              <a:rPr lang="ko-KR" altLang="en-US" dirty="0" smtClean="0"/>
+              <a:rPr lang="ko-KR" altLang="en-US" dirty="0" smtClean="0">
+                <a:solidFill>
+                  <a:srgbClr val="FF0000"/>
+                </a:solidFill>
+              </a:rPr>
               <a:t> 같은데 가능한가요</a:t>
             </a:r>
             <a:r>
-              <a:rPr lang="en-US" altLang="ko-KR" dirty="0" smtClean="0"/>
+              <a:rPr lang="en-US" altLang="ko-KR" dirty="0" smtClean="0">
+                <a:solidFill>
+                  <a:srgbClr val="FF0000"/>
+                </a:solidFill>
+              </a:rPr>
               <a:t>?</a:t>
             </a:r>
           </a:p>
@@ -3589,31 +3823,59 @@
               <a:buNone/>
             </a:pPr>
             <a:r>
-              <a:rPr lang="en-US" altLang="ko-KR" dirty="0" smtClean="0"/>
+              <a:rPr lang="en-US" altLang="ko-KR" dirty="0" smtClean="0">
+                <a:solidFill>
+                  <a:srgbClr val="FF0000"/>
+                </a:solidFill>
+              </a:rPr>
               <a:t>Average data</a:t>
             </a:r>
             <a:r>
-              <a:rPr lang="ko-KR" altLang="en-US" dirty="0" smtClean="0"/>
+              <a:rPr lang="ko-KR" altLang="en-US" dirty="0" smtClean="0">
+                <a:solidFill>
+                  <a:srgbClr val="FF0000"/>
+                </a:solidFill>
+              </a:rPr>
               <a:t>의 경우 온도가 </a:t>
             </a:r>
             <a:r>
-              <a:rPr lang="ko-KR" altLang="en-US" dirty="0" err="1" smtClean="0"/>
+              <a:rPr lang="ko-KR" altLang="en-US" dirty="0" err="1" smtClean="0">
+                <a:solidFill>
+                  <a:srgbClr val="FF0000"/>
+                </a:solidFill>
+              </a:rPr>
               <a:t>나온다던지</a:t>
             </a:r>
             <a:r>
-              <a:rPr lang="ko-KR" altLang="en-US" dirty="0" smtClean="0"/>
+              <a:rPr lang="ko-KR" altLang="en-US" dirty="0" smtClean="0">
+                <a:solidFill>
+                  <a:srgbClr val="FF0000"/>
+                </a:solidFill>
+              </a:rPr>
               <a:t> 각자 창에 별도의 </a:t>
             </a:r>
             <a:r>
-              <a:rPr lang="ko-KR" altLang="en-US" dirty="0" err="1" smtClean="0"/>
+              <a:rPr lang="ko-KR" altLang="en-US" dirty="0" err="1" smtClean="0">
+                <a:solidFill>
+                  <a:srgbClr val="FF0000"/>
+                </a:solidFill>
+              </a:rPr>
               <a:t>스폿을</a:t>
             </a:r>
             <a:r>
-              <a:rPr lang="ko-KR" altLang="en-US" dirty="0" smtClean="0"/>
+              <a:rPr lang="ko-KR" altLang="en-US" dirty="0" smtClean="0">
+                <a:solidFill>
+                  <a:srgbClr val="FF0000"/>
+                </a:solidFill>
+              </a:rPr>
               <a:t> 찍을 수 있게 하여 값을 나타나게 할 수 있는지요</a:t>
             </a:r>
             <a:r>
-              <a:rPr lang="en-US" altLang="ko-KR" dirty="0" smtClean="0"/>
+              <a:rPr lang="en-US" altLang="ko-KR" dirty="0" smtClean="0">
+                <a:solidFill>
+                  <a:srgbClr val="FF0000"/>
+                </a:solidFill>
+              </a:rPr>
               <a:t>?</a:t>
             </a:r>
           </a:p>
@@ -3625,59 +3887,115 @@
               <a:buNone/>
             </a:pPr>
             <a:r>
-              <a:rPr lang="ko-KR" altLang="en-US" dirty="0" smtClean="0"/>
+              <a:rPr lang="ko-KR" altLang="en-US" dirty="0" smtClean="0">
+                <a:solidFill>
+                  <a:srgbClr val="FF0000"/>
+                </a:solidFill>
+              </a:rPr>
               <a:t>즉</a:t>
             </a:r>
             <a:r>
-              <a:rPr lang="en-US" altLang="ko-KR" dirty="0" smtClean="0"/>
+              <a:rPr lang="en-US" altLang="ko-KR" dirty="0" smtClean="0">
+                <a:solidFill>
+                  <a:srgbClr val="FF0000"/>
+                </a:solidFill>
+              </a:rPr>
               <a:t>, </a:t>
             </a:r>
             <a:r>
-              <a:rPr lang="ko-KR" altLang="en-US" dirty="0" smtClean="0"/>
+              <a:rPr lang="ko-KR" altLang="en-US" dirty="0" smtClean="0">
+                <a:solidFill>
+                  <a:srgbClr val="FF0000"/>
+                </a:solidFill>
+              </a:rPr>
               <a:t>지금은 불러온 </a:t>
             </a:r>
             <a:r>
-              <a:rPr lang="ko-KR" altLang="en-US" dirty="0" err="1" smtClean="0"/>
+              <a:rPr lang="ko-KR" altLang="en-US" dirty="0" err="1" smtClean="0">
+                <a:solidFill>
+                  <a:srgbClr val="FF0000"/>
+                </a:solidFill>
+              </a:rPr>
               <a:t>화일에서</a:t>
             </a:r>
             <a:r>
-              <a:rPr lang="ko-KR" altLang="en-US" dirty="0" smtClean="0"/>
+              <a:rPr lang="ko-KR" altLang="en-US" dirty="0" smtClean="0">
+                <a:solidFill>
+                  <a:srgbClr val="FF0000"/>
+                </a:solidFill>
+              </a:rPr>
               <a:t> </a:t>
             </a:r>
             <a:r>
-              <a:rPr lang="ko-KR" altLang="en-US" dirty="0" err="1" smtClean="0"/>
+              <a:rPr lang="ko-KR" altLang="en-US" dirty="0" err="1" smtClean="0">
+                <a:solidFill>
+                  <a:srgbClr val="FF0000"/>
+                </a:solidFill>
+              </a:rPr>
               <a:t>스폿으로</a:t>
             </a:r>
             <a:r>
-              <a:rPr lang="ko-KR" altLang="en-US" dirty="0" smtClean="0"/>
+              <a:rPr lang="ko-KR" altLang="en-US" dirty="0" smtClean="0">
+                <a:solidFill>
+                  <a:srgbClr val="FF0000"/>
+                </a:solidFill>
+              </a:rPr>
               <a:t> </a:t>
             </a:r>
             <a:r>
-              <a:rPr lang="ko-KR" altLang="en-US" dirty="0" err="1" smtClean="0"/>
+              <a:rPr lang="ko-KR" altLang="en-US" dirty="0" err="1" smtClean="0">
+                <a:solidFill>
+                  <a:srgbClr val="FF0000"/>
+                </a:solidFill>
+              </a:rPr>
               <a:t>온도값을</a:t>
             </a:r>
             <a:r>
-              <a:rPr lang="ko-KR" altLang="en-US" dirty="0" smtClean="0"/>
+              <a:rPr lang="ko-KR" altLang="en-US" dirty="0" smtClean="0">
+                <a:solidFill>
+                  <a:srgbClr val="FF0000"/>
+                </a:solidFill>
+              </a:rPr>
               <a:t> 확인할 수가 없습니다</a:t>
             </a:r>
             <a:r>
-              <a:rPr lang="en-US" altLang="ko-KR" dirty="0" smtClean="0"/>
+              <a:rPr lang="en-US" altLang="ko-KR" dirty="0" smtClean="0">
+                <a:solidFill>
+                  <a:srgbClr val="FF0000"/>
+                </a:solidFill>
+              </a:rPr>
               <a:t>. </a:t>
             </a:r>
             <a:r>
-              <a:rPr lang="ko-KR" altLang="en-US" dirty="0" smtClean="0"/>
+              <a:rPr lang="ko-KR" altLang="en-US" dirty="0" smtClean="0">
+                <a:solidFill>
+                  <a:srgbClr val="FF0000"/>
+                </a:solidFill>
+              </a:rPr>
               <a:t>나타나는 수치가 응력에 관한 수치만 </a:t>
             </a:r>
             <a:r>
-              <a:rPr lang="ko-KR" altLang="en-US" dirty="0" err="1" smtClean="0"/>
+              <a:rPr lang="ko-KR" altLang="en-US" dirty="0" err="1" smtClean="0">
+                <a:solidFill>
+                  <a:srgbClr val="FF0000"/>
+                </a:solidFill>
+              </a:rPr>
               <a:t>보이는듯</a:t>
             </a:r>
             <a:r>
-              <a:rPr lang="ko-KR" altLang="en-US" dirty="0" smtClean="0"/>
+              <a:rPr lang="ko-KR" altLang="en-US" dirty="0" smtClean="0">
+                <a:solidFill>
+                  <a:srgbClr val="FF0000"/>
+                </a:solidFill>
+              </a:rPr>
               <a:t> 한데 각 각의 창에 온도나 스트레스를 표시할 수 있어야 합니다</a:t>
             </a:r>
             <a:r>
-              <a:rPr lang="en-US" altLang="ko-KR" dirty="0" smtClean="0"/>
+              <a:rPr lang="en-US" altLang="ko-KR" dirty="0" smtClean="0">
+                <a:solidFill>
+                  <a:srgbClr val="FF0000"/>
+                </a:solidFill>
+              </a:rPr>
               <a:t>.</a:t>
             </a:r>
           </a:p>
@@ -3689,19 +4007,35 @@
               <a:buNone/>
             </a:pPr>
             <a:r>
-              <a:rPr lang="ko-KR" altLang="en-US" dirty="0" smtClean="0"/>
+              <a:rPr lang="ko-KR" altLang="en-US" dirty="0" smtClean="0">
+                <a:solidFill>
+                  <a:srgbClr val="FF0000"/>
+                </a:solidFill>
+              </a:rPr>
               <a:t>왜냐하면</a:t>
             </a:r>
             <a:r>
-              <a:rPr lang="en-US" altLang="ko-KR" dirty="0" smtClean="0"/>
+              <a:rPr lang="en-US" altLang="ko-KR" dirty="0" smtClean="0">
+                <a:solidFill>
+                  <a:srgbClr val="FF0000"/>
+                </a:solidFill>
+              </a:rPr>
               <a:t>, </a:t>
             </a:r>
             <a:r>
-              <a:rPr lang="ko-KR" altLang="en-US" dirty="0" smtClean="0"/>
+              <a:rPr lang="ko-KR" altLang="en-US" dirty="0" smtClean="0">
+                <a:solidFill>
+                  <a:srgbClr val="FF0000"/>
+                </a:solidFill>
+              </a:rPr>
               <a:t>지금은 스트레스 데이터에 나타난 이미지와 퍼스트 프레임에 나타난 이미지 다른데 수치는 퍼스트 프레임 이미지에만 나타납니다</a:t>
             </a:r>
             <a:r>
-              <a:rPr lang="en-US" altLang="ko-KR" dirty="0" smtClean="0"/>
+              <a:rPr lang="en-US" altLang="ko-KR" dirty="0" smtClean="0">
+                <a:solidFill>
+                  <a:srgbClr val="FF0000"/>
+                </a:solidFill>
+              </a:rPr>
               <a:t>. </a:t>
             </a:r>
           </a:p>
@@ -3713,43 +4047,83 @@
               <a:buNone/>
             </a:pPr>
             <a:r>
-              <a:rPr lang="ko-KR" altLang="en-US" dirty="0" smtClean="0"/>
+              <a:rPr lang="ko-KR" altLang="en-US" dirty="0" smtClean="0">
+                <a:solidFill>
+                  <a:srgbClr val="FF0000"/>
+                </a:solidFill>
+              </a:rPr>
               <a:t>정리하면</a:t>
             </a:r>
             <a:r>
-              <a:rPr lang="en-US" altLang="ko-KR" dirty="0" smtClean="0"/>
+              <a:rPr lang="en-US" altLang="ko-KR" dirty="0" smtClean="0">
+                <a:solidFill>
+                  <a:srgbClr val="FF0000"/>
+                </a:solidFill>
+              </a:rPr>
               <a:t>, </a:t>
             </a:r>
             <a:r>
-              <a:rPr lang="ko-KR" altLang="en-US" dirty="0" smtClean="0"/>
+              <a:rPr lang="ko-KR" altLang="en-US" dirty="0" smtClean="0">
+                <a:solidFill>
+                  <a:srgbClr val="FF0000"/>
+                </a:solidFill>
+              </a:rPr>
               <a:t>가장 좋은 것은 각 각의 창에 나타난 이미지에 별도의 </a:t>
             </a:r>
             <a:r>
-              <a:rPr lang="ko-KR" altLang="en-US" dirty="0" err="1" smtClean="0"/>
+              <a:rPr lang="ko-KR" altLang="en-US" dirty="0" err="1" smtClean="0">
+                <a:solidFill>
+                  <a:srgbClr val="FF0000"/>
+                </a:solidFill>
+              </a:rPr>
               <a:t>스폿을</a:t>
             </a:r>
             <a:r>
-              <a:rPr lang="ko-KR" altLang="en-US" dirty="0" smtClean="0"/>
+              <a:rPr lang="ko-KR" altLang="en-US" dirty="0" smtClean="0">
+                <a:solidFill>
+                  <a:srgbClr val="FF0000"/>
+                </a:solidFill>
+              </a:rPr>
               <a:t> 찍어서 값들이 나타나게 하는 것이 가장 좋고</a:t>
             </a:r>
             <a:r>
-              <a:rPr lang="en-US" altLang="ko-KR" dirty="0" smtClean="0"/>
+              <a:rPr lang="en-US" altLang="ko-KR" dirty="0" smtClean="0">
+                <a:solidFill>
+                  <a:srgbClr val="FF0000"/>
+                </a:solidFill>
+              </a:rPr>
               <a:t>, </a:t>
             </a:r>
             <a:r>
-              <a:rPr lang="ko-KR" altLang="en-US" dirty="0" smtClean="0"/>
+              <a:rPr lang="ko-KR" altLang="en-US" dirty="0" smtClean="0">
+                <a:solidFill>
+                  <a:srgbClr val="FF0000"/>
+                </a:solidFill>
+              </a:rPr>
               <a:t>그것이 어려울 경우 퍼스트 이미지에 찍은 </a:t>
             </a:r>
             <a:r>
-              <a:rPr lang="ko-KR" altLang="en-US" dirty="0" err="1" smtClean="0"/>
+              <a:rPr lang="ko-KR" altLang="en-US" dirty="0" err="1" smtClean="0">
+                <a:solidFill>
+                  <a:srgbClr val="FF0000"/>
+                </a:solidFill>
+              </a:rPr>
               <a:t>스폿이</a:t>
             </a:r>
             <a:r>
-              <a:rPr lang="ko-KR" altLang="en-US" dirty="0" smtClean="0"/>
+              <a:rPr lang="ko-KR" altLang="en-US" dirty="0" smtClean="0">
+                <a:solidFill>
+                  <a:srgbClr val="FF0000"/>
+                </a:solidFill>
+              </a:rPr>
               <a:t> 별도의 창에도 동일한 위치에 나타나게 하고 별도의 옵션버튼을 눌러서 스트레스 옵션을 누르면 스트레스 데이터 이미지에 수치가 나타나고 에버리지 이미지이나 델타이미지에서는 온도를 선택할 경우 나타나게 하여야 할 듯 합니다</a:t>
             </a:r>
             <a:r>
-              <a:rPr lang="en-US" altLang="ko-KR" dirty="0" smtClean="0"/>
+              <a:rPr lang="en-US" altLang="ko-KR" dirty="0" smtClean="0">
+                <a:solidFill>
+                  <a:srgbClr val="FF0000"/>
+                </a:solidFill>
+              </a:rPr>
               <a:t>.</a:t>
             </a:r>
           </a:p>
@@ -3873,31 +4247,59 @@
               <a:buNone/>
             </a:pPr>
             <a:r>
-              <a:rPr lang="en-US" altLang="ko-KR" dirty="0" smtClean="0"/>
+              <a:rPr lang="en-US" altLang="ko-KR" dirty="0" smtClean="0">
+                <a:solidFill>
+                  <a:srgbClr val="FF0000"/>
+                </a:solidFill>
+              </a:rPr>
               <a:t>9. </a:t>
             </a:r>
             <a:r>
-              <a:rPr lang="ko-KR" altLang="en-US" dirty="0" smtClean="0"/>
+              <a:rPr lang="ko-KR" altLang="en-US" dirty="0" smtClean="0">
+                <a:solidFill>
+                  <a:srgbClr val="FF0000"/>
+                </a:solidFill>
+              </a:rPr>
               <a:t>분석 영역 </a:t>
             </a:r>
             <a:r>
-              <a:rPr lang="ko-KR" altLang="en-US" dirty="0" err="1" smtClean="0"/>
+              <a:rPr lang="ko-KR" altLang="en-US" dirty="0" err="1" smtClean="0">
+                <a:solidFill>
+                  <a:srgbClr val="FF0000"/>
+                </a:solidFill>
+              </a:rPr>
               <a:t>선정시</a:t>
             </a:r>
             <a:r>
-              <a:rPr lang="ko-KR" altLang="en-US" dirty="0" smtClean="0"/>
+              <a:rPr lang="ko-KR" altLang="en-US" dirty="0" smtClean="0">
+                <a:solidFill>
+                  <a:srgbClr val="FF0000"/>
+                </a:solidFill>
+              </a:rPr>
               <a:t> 정확한 수치가 나타났으면 합니다</a:t>
             </a:r>
             <a:r>
-              <a:rPr lang="en-US" altLang="ko-KR" dirty="0" smtClean="0"/>
+              <a:rPr lang="en-US" altLang="ko-KR" dirty="0" smtClean="0">
+                <a:solidFill>
+                  <a:srgbClr val="FF0000"/>
+                </a:solidFill>
+              </a:rPr>
               <a:t>. </a:t>
             </a:r>
             <a:r>
-              <a:rPr lang="ko-KR" altLang="en-US" dirty="0" smtClean="0"/>
+              <a:rPr lang="ko-KR" altLang="en-US" dirty="0" smtClean="0">
+                <a:solidFill>
+                  <a:srgbClr val="FF0000"/>
+                </a:solidFill>
+              </a:rPr>
               <a:t>지금은 선으로 영역을 고르게 되어 있어 정확한 값을 선정하기 힘듭니다</a:t>
             </a:r>
             <a:r>
-              <a:rPr lang="en-US" altLang="ko-KR" dirty="0" smtClean="0"/>
+              <a:rPr lang="en-US" altLang="ko-KR" dirty="0" smtClean="0">
+                <a:solidFill>
+                  <a:srgbClr val="FF0000"/>
+                </a:solidFill>
+              </a:rPr>
               <a:t>.</a:t>
             </a:r>
           </a:p>
@@ -3909,42 +4311,82 @@
               <a:buNone/>
             </a:pPr>
             <a:r>
-              <a:rPr lang="en-US" altLang="ko-KR" dirty="0" smtClean="0"/>
+              <a:rPr lang="en-US" altLang="ko-KR" dirty="0" smtClean="0">
+                <a:solidFill>
+                  <a:srgbClr val="FF0000"/>
+                </a:solidFill>
+              </a:rPr>
               <a:t>10. </a:t>
             </a:r>
             <a:r>
-              <a:rPr lang="ko-KR" altLang="en-US" dirty="0" smtClean="0"/>
+              <a:rPr lang="ko-KR" altLang="en-US" dirty="0" smtClean="0">
+                <a:solidFill>
+                  <a:srgbClr val="FF0000"/>
+                </a:solidFill>
+              </a:rPr>
               <a:t>다른 데이터를 불러들이면 어떤 것은 나오는데 대부분은 프로그램이 다운 됩니다</a:t>
             </a:r>
             <a:r>
-              <a:rPr lang="en-US" altLang="ko-KR" dirty="0" smtClean="0"/>
+              <a:rPr lang="en-US" altLang="ko-KR" dirty="0" smtClean="0">
+                <a:solidFill>
+                  <a:srgbClr val="FF0000"/>
+                </a:solidFill>
+              </a:rPr>
               <a:t>. </a:t>
             </a:r>
             <a:r>
-              <a:rPr lang="ko-KR" altLang="en-US" dirty="0" smtClean="0"/>
+              <a:rPr lang="ko-KR" altLang="en-US" dirty="0" smtClean="0">
+                <a:solidFill>
+                  <a:srgbClr val="FF0000"/>
+                </a:solidFill>
+              </a:rPr>
               <a:t>원래 제가 보내드린 프로그램이 </a:t>
             </a:r>
             <a:r>
-              <a:rPr lang="ko-KR" altLang="en-US" dirty="0" err="1" smtClean="0"/>
+              <a:rPr lang="ko-KR" altLang="en-US" dirty="0" err="1" smtClean="0">
+                <a:solidFill>
+                  <a:srgbClr val="FF0000"/>
+                </a:solidFill>
+              </a:rPr>
               <a:t>문제인듯</a:t>
             </a:r>
             <a:r>
-              <a:rPr lang="ko-KR" altLang="en-US" dirty="0" smtClean="0"/>
+              <a:rPr lang="ko-KR" altLang="en-US" dirty="0" smtClean="0">
+                <a:solidFill>
+                  <a:srgbClr val="FF0000"/>
+                </a:solidFill>
+              </a:rPr>
               <a:t> 한데 </a:t>
             </a:r>
             <a:r>
-              <a:rPr lang="ko-KR" altLang="en-US" dirty="0" err="1" smtClean="0"/>
+              <a:rPr lang="ko-KR" altLang="en-US" dirty="0" err="1" smtClean="0">
+                <a:solidFill>
+                  <a:srgbClr val="FF0000"/>
+                </a:solidFill>
+              </a:rPr>
               <a:t>해결부탁드립니다</a:t>
             </a:r>
             <a:r>
-              <a:rPr lang="en-US" altLang="ko-KR" dirty="0" smtClean="0"/>
+              <a:rPr lang="en-US" altLang="ko-KR" dirty="0" smtClean="0">
+                <a:solidFill>
+                  <a:srgbClr val="FF0000"/>
+                </a:solidFill>
+              </a:rPr>
               <a:t>. … </a:t>
             </a:r>
             <a:r>
-              <a:rPr lang="ko-KR" altLang="en-US" dirty="0" smtClean="0"/>
+              <a:rPr lang="ko-KR" altLang="en-US" dirty="0" smtClean="0">
+                <a:solidFill>
+                  <a:srgbClr val="FF0000"/>
+                </a:solidFill>
+              </a:rPr>
               <a:t>최우선 해결</a:t>
             </a:r>
-            <a:endParaRPr lang="en-US" altLang="ko-KR" dirty="0"/>
+            <a:endParaRPr lang="en-US" altLang="ko-KR" dirty="0">
+              <a:solidFill>
+                <a:srgbClr val="FF0000"/>
+              </a:solidFill>
+            </a:endParaRPr>
           </a:p>
           <a:p>
             <a:pPr marL="0" indent="0">
@@ -3955,41 +4397,63 @@
             </a:pPr>
             <a:r>
               <a:rPr lang="en-US" altLang="ko-KR" dirty="0" smtClean="0">
+                <a:solidFill>
+                  <a:srgbClr val="FF0000"/>
+                </a:solidFill>
                 <a:sym typeface="Wingdings" panose="05000000000000000000" pitchFamily="2" charset="2"/>
               </a:rPr>
               <a:t>640 512 </a:t>
             </a:r>
             <a:r>
               <a:rPr lang="ko-KR" altLang="en-US" dirty="0" smtClean="0">
+                <a:solidFill>
+                  <a:srgbClr val="FF0000"/>
+                </a:solidFill>
                 <a:sym typeface="Wingdings" panose="05000000000000000000" pitchFamily="2" charset="2"/>
               </a:rPr>
               <a:t>파일은 사이즈에 있어서 문제 발생</a:t>
             </a:r>
             <a:r>
               <a:rPr lang="en-US" altLang="ko-KR" dirty="0" smtClean="0">
+                <a:solidFill>
+                  <a:srgbClr val="FF0000"/>
+                </a:solidFill>
                 <a:sym typeface="Wingdings" panose="05000000000000000000" pitchFamily="2" charset="2"/>
               </a:rPr>
               <a:t></a:t>
             </a:r>
             <a:r>
               <a:rPr lang="ko-KR" altLang="en-US" dirty="0" smtClean="0">
+                <a:solidFill>
+                  <a:srgbClr val="FF0000"/>
+                </a:solidFill>
                 <a:sym typeface="Wingdings" panose="05000000000000000000" pitchFamily="2" charset="2"/>
               </a:rPr>
               <a:t>약 </a:t>
             </a:r>
             <a:r>
               <a:rPr lang="en-US" altLang="ko-KR" dirty="0" smtClean="0">
+                <a:solidFill>
+                  <a:srgbClr val="FF0000"/>
+                </a:solidFill>
                 <a:sym typeface="Wingdings" panose="05000000000000000000" pitchFamily="2" charset="2"/>
               </a:rPr>
               <a:t>3000</a:t>
             </a:r>
             <a:r>
               <a:rPr lang="ko-KR" altLang="en-US" dirty="0" smtClean="0">
+                <a:solidFill>
+                  <a:srgbClr val="FF0000"/>
+                </a:solidFill>
                 <a:sym typeface="Wingdings" panose="05000000000000000000" pitchFamily="2" charset="2"/>
               </a:rPr>
               <a:t>프레임까지만 가능하다</a:t>
             </a:r>
-            <a:endParaRPr lang="en-US" altLang="ko-KR" dirty="0" smtClean="0"/>
+            <a:endParaRPr lang="en-US" altLang="ko-KR" dirty="0" smtClean="0">
+              <a:solidFill>
+                <a:srgbClr val="FF0000"/>
+              </a:solidFill>
+            </a:endParaRPr>
           </a:p>
           <a:p>
             <a:pPr marL="0" indent="0">
